--- a/Documentation/Poster/Poster_V1.0.pptx
+++ b/Documentation/Poster/Poster_V1.0.pptx
@@ -296,7 +296,7 @@
             <a:fld id="{D9D26CB9-01E4-44B8-8084-BCC418CF4A2D}" type="datetimeFigureOut">
               <a:rPr lang="en-US" smtClean="0"/>
               <a:pPr/>
-              <a:t>5/25/15</a:t>
+              <a:t>5/26/15</a:t>
             </a:fld>
             <a:endParaRPr lang="en-US" dirty="0"/>
           </a:p>
@@ -463,7 +463,7 @@
             <a:fld id="{D9D26CB9-01E4-44B8-8084-BCC418CF4A2D}" type="datetimeFigureOut">
               <a:rPr lang="en-US" smtClean="0"/>
               <a:pPr/>
-              <a:t>5/25/15</a:t>
+              <a:t>5/26/15</a:t>
             </a:fld>
             <a:endParaRPr lang="en-US" dirty="0"/>
           </a:p>
@@ -640,7 +640,7 @@
             <a:fld id="{D9D26CB9-01E4-44B8-8084-BCC418CF4A2D}" type="datetimeFigureOut">
               <a:rPr lang="en-US" smtClean="0"/>
               <a:pPr/>
-              <a:t>5/25/15</a:t>
+              <a:t>5/26/15</a:t>
             </a:fld>
             <a:endParaRPr lang="en-US" dirty="0"/>
           </a:p>
@@ -807,7 +807,7 @@
             <a:fld id="{D9D26CB9-01E4-44B8-8084-BCC418CF4A2D}" type="datetimeFigureOut">
               <a:rPr lang="en-US" smtClean="0"/>
               <a:pPr/>
-              <a:t>5/25/15</a:t>
+              <a:t>5/26/15</a:t>
             </a:fld>
             <a:endParaRPr lang="en-US" dirty="0"/>
           </a:p>
@@ -1052,7 +1052,7 @@
             <a:fld id="{D9D26CB9-01E4-44B8-8084-BCC418CF4A2D}" type="datetimeFigureOut">
               <a:rPr lang="en-US" smtClean="0"/>
               <a:pPr/>
-              <a:t>5/25/15</a:t>
+              <a:t>5/26/15</a:t>
             </a:fld>
             <a:endParaRPr lang="en-US" dirty="0"/>
           </a:p>
@@ -1372,7 +1372,7 @@
             <a:fld id="{D9D26CB9-01E4-44B8-8084-BCC418CF4A2D}" type="datetimeFigureOut">
               <a:rPr lang="en-US" smtClean="0"/>
               <a:pPr/>
-              <a:t>5/25/15</a:t>
+              <a:t>5/26/15</a:t>
             </a:fld>
             <a:endParaRPr lang="en-US" dirty="0"/>
           </a:p>
@@ -1840,7 +1840,7 @@
             <a:fld id="{D9D26CB9-01E4-44B8-8084-BCC418CF4A2D}" type="datetimeFigureOut">
               <a:rPr lang="en-US" smtClean="0"/>
               <a:pPr/>
-              <a:t>5/25/15</a:t>
+              <a:t>5/26/15</a:t>
             </a:fld>
             <a:endParaRPr lang="en-US" dirty="0"/>
           </a:p>
@@ -1990,7 +1990,7 @@
             <a:fld id="{D9D26CB9-01E4-44B8-8084-BCC418CF4A2D}" type="datetimeFigureOut">
               <a:rPr lang="en-US" smtClean="0"/>
               <a:pPr/>
-              <a:t>5/25/15</a:t>
+              <a:t>5/26/15</a:t>
             </a:fld>
             <a:endParaRPr lang="en-US" dirty="0"/>
           </a:p>
@@ -2082,7 +2082,7 @@
             <a:fld id="{D9D26CB9-01E4-44B8-8084-BCC418CF4A2D}" type="datetimeFigureOut">
               <a:rPr lang="en-US" smtClean="0"/>
               <a:pPr/>
-              <a:t>5/25/15</a:t>
+              <a:t>5/26/15</a:t>
             </a:fld>
             <a:endParaRPr lang="en-US" dirty="0"/>
           </a:p>
@@ -2358,7 +2358,7 @@
             <a:fld id="{D9D26CB9-01E4-44B8-8084-BCC418CF4A2D}" type="datetimeFigureOut">
               <a:rPr lang="en-US" smtClean="0"/>
               <a:pPr/>
-              <a:t>5/25/15</a:t>
+              <a:t>5/26/15</a:t>
             </a:fld>
             <a:endParaRPr lang="en-US" dirty="0"/>
           </a:p>
@@ -2665,7 +2665,7 @@
             <a:fld id="{D9D26CB9-01E4-44B8-8084-BCC418CF4A2D}" type="datetimeFigureOut">
               <a:rPr lang="en-US" smtClean="0"/>
               <a:pPr/>
-              <a:t>5/25/15</a:t>
+              <a:t>5/26/15</a:t>
             </a:fld>
             <a:endParaRPr lang="en-US" dirty="0"/>
           </a:p>
@@ -2965,7 +2965,7 @@
             <a:fld id="{D9D26CB9-01E4-44B8-8084-BCC418CF4A2D}" type="datetimeFigureOut">
               <a:rPr lang="en-US" smtClean="0"/>
               <a:pPr/>
-              <a:t>5/25/15</a:t>
+              <a:t>5/26/15</a:t>
             </a:fld>
             <a:endParaRPr lang="en-US" dirty="0"/>
           </a:p>
@@ -3439,7 +3439,7 @@
         <p:spPr>
           <a:xfrm>
             <a:off x="914400" y="3962400"/>
-            <a:ext cx="10058400" cy="23298682"/>
+            <a:ext cx="10058400" cy="22744682"/>
           </a:xfrm>
           <a:prstGeom prst="rect">
             <a:avLst/>
@@ -3502,30 +3502,30 @@
             </a:r>
             <a:r>
               <a:rPr lang="en-US" sz="3600" dirty="0" smtClean="0"/>
-              <a:t>printer that is capable of quickly creating metal components at a lower cost. </a:t>
-            </a:r>
+              <a:t>printer that is capable of quickly creating metal components at a lower cost.  The final products of this printer will be used in industrial water pumps that must be precision machined after the fact, so accuracy of the print is not a major concern for this project. </a:t>
+            </a:r>
+          </a:p>
+          <a:p>
+            <a:pPr algn="just"/>
             <a:r>
               <a:rPr lang="en-US" sz="3600" dirty="0" smtClean="0"/>
-              <a:t> The final products </a:t>
+              <a:t>     A</a:t>
             </a:r>
             <a:r>
               <a:rPr lang="en-US" sz="3600" dirty="0" smtClean="0"/>
-              <a:t>of this printer will be used in industrial water pumps that must be precision machined after the fact, so accuracy of the print is not a major concern for this project. </a:t>
-            </a:r>
-          </a:p>
-          <a:p>
-            <a:pPr algn="just"/>
-            <a:r>
-              <a:rPr lang="en-US" sz="3600" dirty="0"/>
               <a:t> </a:t>
             </a:r>
             <a:r>
               <a:rPr lang="en-US" sz="3600" dirty="0" smtClean="0"/>
-              <a:t>  We </a:t>
+              <a:t>CNC machine with a MIG (metal inert gas) welder and use the welder to deposit material. Building upon previous layers of deposition, </a:t>
             </a:r>
             <a:r>
               <a:rPr lang="en-US" sz="3600" dirty="0" smtClean="0"/>
-              <a:t>will combine a CNC machine with a MIG (metal inert gas) welder and use the welder to deposit material. Building upon previous layers of deposition, we will be able to print 3D metal objects.  </a:t>
+              <a:t>a metal object may be </a:t>
+            </a:r>
+            <a:r>
+              <a:rPr lang="en-US" sz="3600" smtClean="0"/>
+              <a:t>printed in 3D.</a:t>
             </a:r>
             <a:endParaRPr lang="en-US" sz="4000" dirty="0" smtClean="0"/>
           </a:p>
@@ -3608,15 +3608,7 @@
             </a:pPr>
             <a:r>
               <a:rPr lang="en-US" sz="3600" dirty="0" smtClean="0"/>
-              <a:t>Determine quality of </a:t>
-            </a:r>
-            <a:r>
-              <a:rPr lang="en-US" sz="3600" dirty="0" smtClean="0"/>
-              <a:t>deposition based </a:t>
-            </a:r>
-            <a:r>
-              <a:rPr lang="en-US" sz="3600" dirty="0" smtClean="0"/>
-              <a:t>on temperature and current.</a:t>
+              <a:t>Determine quality of deposition based on temperature and current.</a:t>
             </a:r>
           </a:p>
           <a:p>
@@ -3629,13 +3621,8 @@
             </a:pPr>
             <a:r>
               <a:rPr lang="en-US" sz="3600" dirty="0" smtClean="0"/>
-              <a:t>Control the MIG welder based on quality of </a:t>
-            </a:r>
-            <a:r>
-              <a:rPr lang="en-US" sz="3600" dirty="0" smtClean="0"/>
-              <a:t>deposition.</a:t>
-            </a:r>
-            <a:endParaRPr lang="en-US" sz="3600" dirty="0" smtClean="0"/>
+              <a:t>Control the MIG welder based on quality of deposition.</a:t>
+            </a:r>
           </a:p>
           <a:p>
             <a:pPr marL="685800" indent="-685800" algn="just">
@@ -3647,11 +3634,7 @@
             </a:pPr>
             <a:r>
               <a:rPr lang="en-US" sz="3600" dirty="0" smtClean="0"/>
-              <a:t>Allow for future </a:t>
-            </a:r>
-            <a:r>
-              <a:rPr lang="en-US" sz="3600" dirty="0" smtClean="0"/>
-              <a:t>expandability</a:t>
+              <a:t>Allow for future expandability</a:t>
             </a:r>
             <a:endParaRPr lang="en-US" sz="3600" dirty="0"/>
           </a:p>
@@ -3884,11 +3867,7 @@
             <a:pPr algn="just"/>
             <a:r>
               <a:rPr lang="en-US" sz="3600" b="1" dirty="0" smtClean="0"/>
-              <a:t>I.R. </a:t>
-            </a:r>
-            <a:r>
-              <a:rPr lang="en-US" sz="3600" b="1" dirty="0" smtClean="0"/>
-              <a:t>Temperature </a:t>
+              <a:t>I.R. Temperature </a:t>
             </a:r>
             <a:r>
               <a:rPr lang="en-US" sz="3600" b="1" dirty="0"/>
